--- a/CEM_Community/docs/CEM_Community_Midterm_PPT.pptx
+++ b/CEM_Community/docs/CEM_Community_Midterm_PPT.pptx
@@ -3788,8 +3788,8 @@
         </p:blipFill>
         <p:spPr>
           <a:xfrm>
-            <a:off x="-7428262" y="557075"/>
-            <a:ext cx="33142238" cy="10886476"/>
+            <a:off x="-7428262" y="-558443"/>
+            <a:ext cx="33142238" cy="13062834"/>
           </a:xfrm>
           <a:prstGeom prst="rect">
             <a:avLst/>
@@ -3860,7 +3860,7 @@
         </p:blipFill>
         <p:spPr>
           <a:xfrm>
-            <a:off x="5253641" y="1710631"/>
+            <a:off x="5253641" y="1520155"/>
             <a:ext cx="8140027" cy="1711903"/>
           </a:xfrm>
           <a:prstGeom prst="rect">
@@ -4323,10 +4323,10 @@
         </p:nvGrpSpPr>
         <p:grpSpPr>
           <a:xfrm>
-            <a:off x="4452028" y="1717108"/>
-            <a:ext cx="9381658" cy="7569008"/>
-            <a:chOff x="4452028" y="1717108"/>
-            <a:chExt cx="9381658" cy="7569008"/>
+            <a:off x="5350940" y="1631163"/>
+            <a:ext cx="7583835" cy="7740897"/>
+            <a:chOff x="5350940" y="1631163"/>
+            <a:chExt cx="7583835" cy="7740897"/>
           </a:xfrm>
         </p:grpSpPr>
         <p:pic>
@@ -4345,8 +4345,8 @@
           </p:blipFill>
           <p:spPr>
             <a:xfrm>
-              <a:off x="4452028" y="1717108"/>
-              <a:ext cx="9381658" cy="7569008"/>
+              <a:off x="5350940" y="1631163"/>
+              <a:ext cx="7583835" cy="7740897"/>
             </a:xfrm>
             <a:prstGeom prst="rect">
               <a:avLst/>

--- a/CEM_Community/docs/CEM_Community_Midterm_PPT.pptx
+++ b/CEM_Community/docs/CEM_Community_Midterm_PPT.pptx
@@ -4323,10 +4323,10 @@
         </p:nvGrpSpPr>
         <p:grpSpPr>
           <a:xfrm>
-            <a:off x="5350940" y="1631163"/>
-            <a:ext cx="7583835" cy="7740897"/>
-            <a:chOff x="5350940" y="1631163"/>
-            <a:chExt cx="7583835" cy="7740897"/>
+            <a:off x="5320541" y="1574137"/>
+            <a:ext cx="7644632" cy="7836878"/>
+            <a:chOff x="5320541" y="1574137"/>
+            <a:chExt cx="7644632" cy="7836878"/>
           </a:xfrm>
         </p:grpSpPr>
         <p:pic>
@@ -4345,8 +4345,8 @@
           </p:blipFill>
           <p:spPr>
             <a:xfrm>
-              <a:off x="5350940" y="1631163"/>
-              <a:ext cx="7583835" cy="7740897"/>
+              <a:off x="5320541" y="1574137"/>
+              <a:ext cx="7644632" cy="7836878"/>
             </a:xfrm>
             <a:prstGeom prst="rect">
               <a:avLst/>
@@ -4506,10 +4506,10 @@
         </p:nvGrpSpPr>
         <p:grpSpPr>
           <a:xfrm>
-            <a:off x="0" y="2966477"/>
-            <a:ext cx="9243412" cy="5070270"/>
-            <a:chOff x="0" y="2966477"/>
-            <a:chExt cx="9243412" cy="5070270"/>
+            <a:off x="0" y="3021634"/>
+            <a:ext cx="9142857" cy="5015113"/>
+            <a:chOff x="0" y="3021634"/>
+            <a:chExt cx="9142857" cy="5015113"/>
           </a:xfrm>
         </p:grpSpPr>
         <p:pic>
@@ -4528,8 +4528,8 @@
           </p:blipFill>
           <p:spPr>
             <a:xfrm>
-              <a:off x="0" y="2966477"/>
-              <a:ext cx="9243412" cy="5070270"/>
+              <a:off x="0" y="3021634"/>
+              <a:ext cx="9142857" cy="5015113"/>
             </a:xfrm>
             <a:prstGeom prst="rect">
               <a:avLst/>

--- a/CEM_Community/docs/CEM_Community_Midterm_PPT.pptx
+++ b/CEM_Community/docs/CEM_Community_Midterm_PPT.pptx
@@ -14,6 +14,7 @@
     <p:sldId id="262" r:id="rId8"/>
     <p:sldId id="263" r:id="rId9"/>
     <p:sldId id="264" r:id="rId10"/>
+    <p:sldId id="265" r:id="rId11"/>
   </p:sldIdLst>
   <p:sldSz cx="18288000" cy="10287000" type="screen4x3"/>
   <p:notesSz cx="10287000" cy="18288000"/>
@@ -301,7 +302,7 @@
           <a:p>
             <a:fld id="{F8166F1F-CE9B-4651-A6AA-CD717754106B}" type="datetimeFigureOut">
               <a:rPr lang="en-US" smtClean="0"/>
-              <a:t>11/21/2023</a:t>
+              <a:t>11/23/2023</a:t>
             </a:fld>
             <a:endParaRPr lang="en-US"/>
           </a:p>
@@ -808,7 +809,7 @@
           <a:p>
             <a:fld id="{A76116CE-C4A3-4A05-B2D7-7C2E9A889C0F}" type="datetimeFigureOut">
               <a:rPr lang="en-US" smtClean="0"/>
-              <a:t>11/21/2023</a:t>
+              <a:t>11/23/2023</a:t>
             </a:fld>
             <a:endParaRPr lang="en-US"/>
           </a:p>
@@ -1049,7 +1050,7 @@
           <a:p>
             <a:fld id="{A76116CE-C4A3-4A05-B2D7-7C2E9A889C0F}" type="datetimeFigureOut">
               <a:rPr lang="en-US" smtClean="0"/>
-              <a:t>11/21/2023</a:t>
+              <a:t>11/23/2023</a:t>
             </a:fld>
             <a:endParaRPr lang="en-US"/>
           </a:p>
@@ -3318,9 +3319,9 @@
 </p:sld>
 </file>
 
-<file path=ppt/slides/slide2.xml><?xml version="1.0" encoding="utf-8"?>
+<file path=ppt/slides/slide10.xml><?xml version="1.0" encoding="utf-8"?>
 <p:sld xmlns:a="http://schemas.openxmlformats.org/drawingml/2006/main" xmlns:r="http://schemas.openxmlformats.org/officeDocument/2006/relationships" xmlns:p="http://schemas.openxmlformats.org/presentationml/2006/main">
-  <p:cSld name="Slide 2">
+  <p:cSld name="Slide 10">
     <p:bg>
       <p:bgPr>
         <a:solidFill>
@@ -3414,6 +3415,252 @@
         </p:nvGrpSpPr>
         <p:grpSpPr>
           <a:xfrm>
+            <a:off x="14786571" y="8108381"/>
+            <a:ext cx="704798" cy="21429"/>
+            <a:chOff x="14786571" y="8108381"/>
+            <a:chExt cx="704798" cy="21429"/>
+          </a:xfrm>
+        </p:grpSpPr>
+        <p:pic>
+          <p:nvPicPr>
+            <p:cNvPr id="7" name="Object 6"/>
+            <p:cNvPicPr>
+              <a:picLocks noChangeAspect="1"/>
+            </p:cNvPicPr>
+            <p:nvPr/>
+          </p:nvPicPr>
+          <p:blipFill>
+            <a:blip r:embed="rId4" cstate="print"/>
+            <a:stretch>
+              <a:fillRect/>
+            </a:stretch>
+          </p:blipFill>
+          <p:spPr>
+            <a:xfrm rot="5400000">
+              <a:off x="14786571" y="8108381"/>
+              <a:ext cx="704798" cy="21429"/>
+            </a:xfrm>
+            <a:prstGeom prst="rect">
+              <a:avLst/>
+            </a:prstGeom>
+          </p:spPr>
+        </p:pic>
+      </p:grpSp>
+      <p:grpSp>
+        <p:nvGrpSpPr>
+          <p:cNvPr id="1003" name="그룹 1003"/>
+          <p:cNvGrpSpPr/>
+          <p:nvPr/>
+        </p:nvGrpSpPr>
+        <p:grpSpPr>
+          <a:xfrm>
+            <a:off x="667089" y="4499390"/>
+            <a:ext cx="1715257" cy="107143"/>
+            <a:chOff x="667089" y="4499390"/>
+            <a:chExt cx="1715257" cy="107143"/>
+          </a:xfrm>
+        </p:grpSpPr>
+        <p:pic>
+          <p:nvPicPr>
+            <p:cNvPr id="10" name="Object 9"/>
+            <p:cNvPicPr>
+              <a:picLocks noChangeAspect="1"/>
+            </p:cNvPicPr>
+            <p:nvPr/>
+          </p:nvPicPr>
+          <p:blipFill>
+            <a:blip r:embed="rId5" cstate="print"/>
+            <a:stretch>
+              <a:fillRect/>
+            </a:stretch>
+          </p:blipFill>
+          <p:spPr>
+            <a:xfrm rot="5400000">
+              <a:off x="667089" y="4499390"/>
+              <a:ext cx="1715257" cy="107143"/>
+            </a:xfrm>
+            <a:prstGeom prst="rect">
+              <a:avLst/>
+            </a:prstGeom>
+          </p:spPr>
+        </p:pic>
+      </p:grpSp>
+      <p:pic>
+        <p:nvPicPr>
+          <p:cNvPr id="12" name="Object 11"/>
+          <p:cNvPicPr>
+            <a:picLocks noChangeAspect="1"/>
+          </p:cNvPicPr>
+          <p:nvPr/>
+        </p:nvPicPr>
+        <p:blipFill>
+          <a:blip r:embed="rId6" cstate="print"/>
+          <a:stretch>
+            <a:fillRect/>
+          </a:stretch>
+        </p:blipFill>
+        <p:spPr>
+          <a:xfrm>
+            <a:off x="15246326" y="7705212"/>
+            <a:ext cx="1832734" cy="842925"/>
+          </a:xfrm>
+          <a:prstGeom prst="rect">
+            <a:avLst/>
+          </a:prstGeom>
+        </p:spPr>
+      </p:pic>
+      <p:pic>
+        <p:nvPicPr>
+          <p:cNvPr id="13" name="Object 12"/>
+          <p:cNvPicPr>
+            <a:picLocks noChangeAspect="1"/>
+          </p:cNvPicPr>
+          <p:nvPr/>
+        </p:nvPicPr>
+        <p:blipFill>
+          <a:blip r:embed="rId7" cstate="print"/>
+          <a:stretch>
+            <a:fillRect/>
+          </a:stretch>
+        </p:blipFill>
+        <p:spPr>
+          <a:xfrm>
+            <a:off x="2062583" y="5506812"/>
+            <a:ext cx="2779874" cy="1055512"/>
+          </a:xfrm>
+          <a:prstGeom prst="rect">
+            <a:avLst/>
+          </a:prstGeom>
+        </p:spPr>
+      </p:pic>
+      <p:pic>
+        <p:nvPicPr>
+          <p:cNvPr id="14" name="Object 13"/>
+          <p:cNvPicPr>
+            <a:picLocks noChangeAspect="1"/>
+          </p:cNvPicPr>
+          <p:nvPr/>
+        </p:nvPicPr>
+        <p:blipFill>
+          <a:blip r:embed="rId8" cstate="print"/>
+          <a:stretch>
+            <a:fillRect/>
+          </a:stretch>
+        </p:blipFill>
+        <p:spPr>
+          <a:xfrm>
+            <a:off x="1579167" y="3055919"/>
+            <a:ext cx="4670752" cy="3100266"/>
+          </a:xfrm>
+          <a:prstGeom prst="rect">
+            <a:avLst/>
+          </a:prstGeom>
+        </p:spPr>
+      </p:pic>
+    </p:spTree>
+  </p:cSld>
+  <p:clrMapOvr>
+    <a:masterClrMapping/>
+  </p:clrMapOvr>
+</p:sld>
+</file>
+
+<file path=ppt/slides/slide2.xml><?xml version="1.0" encoding="utf-8"?>
+<p:sld xmlns:a="http://schemas.openxmlformats.org/drawingml/2006/main" xmlns:r="http://schemas.openxmlformats.org/officeDocument/2006/relationships" xmlns:p="http://schemas.openxmlformats.org/presentationml/2006/main">
+  <p:cSld name="Slide 2">
+    <p:bg>
+      <p:bgPr>
+        <a:solidFill>
+          <a:srgbClr val="FFFEF7"/>
+        </a:solidFill>
+        <a:effectLst/>
+      </p:bgPr>
+    </p:bg>
+    <p:spTree>
+      <p:nvGrpSpPr>
+        <p:cNvPr id="1" name=""/>
+        <p:cNvGrpSpPr/>
+        <p:nvPr/>
+      </p:nvGrpSpPr>
+      <p:grpSpPr>
+        <a:xfrm>
+          <a:off x="0" y="0"/>
+          <a:ext cx="0" cy="0"/>
+          <a:chOff x="0" y="0"/>
+          <a:chExt cx="0" cy="0"/>
+        </a:xfrm>
+      </p:grpSpPr>
+      <p:grpSp>
+        <p:nvGrpSpPr>
+          <p:cNvPr id="1001" name="그룹 1001"/>
+          <p:cNvGrpSpPr/>
+          <p:nvPr/>
+        </p:nvGrpSpPr>
+        <p:grpSpPr>
+          <a:xfrm>
+            <a:off x="0" y="1031606"/>
+            <a:ext cx="18285714" cy="11610619"/>
+            <a:chOff x="0" y="1031606"/>
+            <a:chExt cx="18285714" cy="11610619"/>
+          </a:xfrm>
+        </p:grpSpPr>
+        <p:pic>
+          <p:nvPicPr>
+            <p:cNvPr id="3" name="Object 2"/>
+            <p:cNvPicPr>
+              <a:picLocks noChangeAspect="1"/>
+            </p:cNvPicPr>
+            <p:nvPr/>
+          </p:nvPicPr>
+          <p:blipFill>
+            <a:blip r:embed="rId2" cstate="print"/>
+            <a:stretch>
+              <a:fillRect/>
+            </a:stretch>
+          </p:blipFill>
+          <p:spPr>
+            <a:xfrm>
+              <a:off x="-9152206" y="-4952084"/>
+              <a:ext cx="36571429" cy="23221239"/>
+            </a:xfrm>
+            <a:prstGeom prst="rect">
+              <a:avLst/>
+            </a:prstGeom>
+          </p:spPr>
+        </p:pic>
+        <p:pic>
+          <p:nvPicPr>
+            <p:cNvPr id="4" name="Object 3"/>
+            <p:cNvPicPr>
+              <a:picLocks noChangeAspect="1"/>
+            </p:cNvPicPr>
+            <p:nvPr/>
+          </p:nvPicPr>
+          <p:blipFill>
+            <a:blip r:embed="rId3" cstate="print"/>
+            <a:stretch>
+              <a:fillRect/>
+            </a:stretch>
+          </p:blipFill>
+          <p:spPr>
+            <a:xfrm>
+              <a:off x="0" y="1031606"/>
+              <a:ext cx="18285714" cy="11610619"/>
+            </a:xfrm>
+            <a:prstGeom prst="rect">
+              <a:avLst/>
+            </a:prstGeom>
+          </p:spPr>
+        </p:pic>
+      </p:grpSp>
+      <p:grpSp>
+        <p:nvGrpSpPr>
+          <p:cNvPr id="1002" name="그룹 1002"/>
+          <p:cNvGrpSpPr/>
+          <p:nvPr/>
+        </p:nvGrpSpPr>
+        <p:grpSpPr>
+          <a:xfrm>
             <a:off x="934390" y="2034262"/>
             <a:ext cx="1190971" cy="107143"/>
             <a:chOff x="934390" y="2034262"/>
@@ -3461,8 +3708,8 @@
         </p:blipFill>
         <p:spPr>
           <a:xfrm>
-            <a:off x="1787670" y="3215175"/>
-            <a:ext cx="6724805" cy="3251405"/>
+            <a:off x="1787670" y="3215366"/>
+            <a:ext cx="6724490" cy="3936576"/>
           </a:xfrm>
           <a:prstGeom prst="rect">
             <a:avLst/>
@@ -3788,8 +4035,8 @@
         </p:blipFill>
         <p:spPr>
           <a:xfrm>
-            <a:off x="-7428262" y="-558443"/>
-            <a:ext cx="33142238" cy="13062834"/>
+            <a:off x="-7428262" y="-163638"/>
+            <a:ext cx="33142238" cy="12314782"/>
           </a:xfrm>
           <a:prstGeom prst="rect">
             <a:avLst/>
@@ -4323,10 +4570,10 @@
         </p:nvGrpSpPr>
         <p:grpSpPr>
           <a:xfrm>
-            <a:off x="5320541" y="1574137"/>
-            <a:ext cx="7644632" cy="7836878"/>
-            <a:chOff x="5320541" y="1574137"/>
-            <a:chExt cx="7644632" cy="7836878"/>
+            <a:off x="5450993" y="1609428"/>
+            <a:ext cx="7383727" cy="7767155"/>
+            <a:chOff x="5450993" y="1609428"/>
+            <a:chExt cx="7383727" cy="7767155"/>
           </a:xfrm>
         </p:grpSpPr>
         <p:pic>
@@ -4345,8 +4592,8 @@
           </p:blipFill>
           <p:spPr>
             <a:xfrm>
-              <a:off x="5320541" y="1574137"/>
-              <a:ext cx="7644632" cy="7836878"/>
+              <a:off x="5450993" y="1609428"/>
+              <a:ext cx="7383727" cy="7767155"/>
             </a:xfrm>
             <a:prstGeom prst="rect">
               <a:avLst/>
@@ -4592,8 +4839,8 @@
         </p:blipFill>
         <p:spPr>
           <a:xfrm>
-            <a:off x="842717" y="301089"/>
-            <a:ext cx="2275284" cy="1226950"/>
+            <a:off x="869946" y="406946"/>
+            <a:ext cx="2701836" cy="1146665"/>
           </a:xfrm>
           <a:prstGeom prst="rect">
             <a:avLst/>
@@ -4638,7 +4885,7 @@
     <p:bg>
       <p:bgPr>
         <a:solidFill>
-          <a:srgbClr val="FFFEF7"/>
+          <a:srgbClr val="FFFFFF"/>
         </a:solidFill>
         <a:effectLst/>
       </p:bgPr>
@@ -4665,10 +4912,10 @@
         </p:nvGrpSpPr>
         <p:grpSpPr>
           <a:xfrm>
-            <a:off x="0" y="1031606"/>
-            <a:ext cx="18285714" cy="11610619"/>
-            <a:chOff x="0" y="1031606"/>
-            <a:chExt cx="18285714" cy="11610619"/>
+            <a:off x="0" y="1536042"/>
+            <a:ext cx="18285714" cy="7931140"/>
+            <a:chOff x="0" y="1536042"/>
+            <a:chExt cx="18285714" cy="7931140"/>
           </a:xfrm>
         </p:grpSpPr>
         <p:pic>
@@ -4687,8 +4934,8 @@
           </p:blipFill>
           <p:spPr>
             <a:xfrm>
-              <a:off x="-9152206" y="-4952084"/>
-              <a:ext cx="36571429" cy="23221239"/>
+              <a:off x="-9142857" y="-2429528"/>
+              <a:ext cx="36571429" cy="15862279"/>
             </a:xfrm>
             <a:prstGeom prst="rect">
               <a:avLst/>
@@ -4711,8 +4958,8 @@
           </p:blipFill>
           <p:spPr>
             <a:xfrm>
-              <a:off x="0" y="1031606"/>
-              <a:ext cx="18285714" cy="11610619"/>
+              <a:off x="0" y="1536042"/>
+              <a:ext cx="18285714" cy="7931140"/>
             </a:xfrm>
             <a:prstGeom prst="rect">
               <a:avLst/>
@@ -4728,10 +4975,10 @@
         </p:nvGrpSpPr>
         <p:grpSpPr>
           <a:xfrm>
-            <a:off x="14786571" y="8108381"/>
-            <a:ext cx="704798" cy="21429"/>
-            <a:chOff x="14786571" y="8108381"/>
-            <a:chExt cx="704798" cy="21429"/>
+            <a:off x="9286988" y="3084751"/>
+            <a:ext cx="8808457" cy="4820183"/>
+            <a:chOff x="9286988" y="3084751"/>
+            <a:chExt cx="8808457" cy="4820183"/>
           </a:xfrm>
         </p:grpSpPr>
         <p:pic>
@@ -4749,9 +4996,9 @@
             </a:stretch>
           </p:blipFill>
           <p:spPr>
-            <a:xfrm rot="5400000">
-              <a:off x="14786571" y="8108381"/>
-              <a:ext cx="704798" cy="21429"/>
+            <a:xfrm>
+              <a:off x="9286988" y="3084751"/>
+              <a:ext cx="8808457" cy="4820183"/>
             </a:xfrm>
             <a:prstGeom prst="rect">
               <a:avLst/>
@@ -4767,10 +5014,10 @@
         </p:nvGrpSpPr>
         <p:grpSpPr>
           <a:xfrm>
-            <a:off x="667089" y="4499390"/>
-            <a:ext cx="1715257" cy="107143"/>
-            <a:chOff x="667089" y="4499390"/>
-            <a:chExt cx="1715257" cy="107143"/>
+            <a:off x="239612" y="3098290"/>
+            <a:ext cx="8799349" cy="4806644"/>
+            <a:chOff x="239612" y="3098290"/>
+            <a:chExt cx="8799349" cy="4806644"/>
           </a:xfrm>
         </p:grpSpPr>
         <p:pic>
@@ -4788,9 +5035,9 @@
             </a:stretch>
           </p:blipFill>
           <p:spPr>
-            <a:xfrm rot="5400000">
-              <a:off x="667089" y="4499390"/>
-              <a:ext cx="1715257" cy="107143"/>
+            <a:xfrm>
+              <a:off x="239612" y="3098290"/>
+              <a:ext cx="8799349" cy="4806644"/>
             </a:xfrm>
             <a:prstGeom prst="rect">
               <a:avLst/>
@@ -4814,8 +5061,8 @@
         </p:blipFill>
         <p:spPr>
           <a:xfrm>
-            <a:off x="15246326" y="7705212"/>
-            <a:ext cx="1832734" cy="842925"/>
+            <a:off x="869946" y="406946"/>
+            <a:ext cx="2701836" cy="1146665"/>
           </a:xfrm>
           <a:prstGeom prst="rect">
             <a:avLst/>
@@ -4838,32 +5085,8 @@
         </p:blipFill>
         <p:spPr>
           <a:xfrm>
-            <a:off x="2062583" y="5506812"/>
-            <a:ext cx="2779874" cy="1055512"/>
-          </a:xfrm>
-          <a:prstGeom prst="rect">
-            <a:avLst/>
-          </a:prstGeom>
-        </p:spPr>
-      </p:pic>
-      <p:pic>
-        <p:nvPicPr>
-          <p:cNvPr id="14" name="Object 13"/>
-          <p:cNvPicPr>
-            <a:picLocks noChangeAspect="1"/>
-          </p:cNvPicPr>
-          <p:nvPr/>
-        </p:nvPicPr>
-        <p:blipFill>
-          <a:blip r:embed="rId8" cstate="print"/>
-          <a:stretch>
-            <a:fillRect/>
-          </a:stretch>
-        </p:blipFill>
-        <p:spPr>
-          <a:xfrm>
-            <a:off x="1579167" y="3055919"/>
-            <a:ext cx="4670752" cy="3100266"/>
+            <a:off x="6075811" y="9649478"/>
+            <a:ext cx="4771918" cy="541452"/>
           </a:xfrm>
           <a:prstGeom prst="rect">
             <a:avLst/>
